--- a/Presentation_record.pptx
+++ b/Presentation_record.pptx
@@ -7,6 +7,12 @@
   <p:sldIdLst>
     <p:sldId id="256" r:id="rId2"/>
     <p:sldId id="257" r:id="rId3"/>
+    <p:sldId id="258" r:id="rId4"/>
+    <p:sldId id="259" r:id="rId5"/>
+    <p:sldId id="261" r:id="rId6"/>
+    <p:sldId id="260" r:id="rId7"/>
+    <p:sldId id="263" r:id="rId8"/>
+    <p:sldId id="262" r:id="rId9"/>
   </p:sldIdLst>
   <p:sldSz cx="12192000" cy="6858000"/>
   <p:notesSz cx="6858000" cy="9144000"/>
@@ -3109,13 +3115,8 @@
             </a:r>
             <a:r>
               <a:rPr lang="en-US" dirty="0" smtClean="0"/>
-              <a:t> feature relation with </a:t>
-            </a:r>
-            <a:r>
-              <a:rPr lang="en-US" smtClean="0"/>
-              <a:t>other feature:</a:t>
-            </a:r>
-            <a:endParaRPr lang="en-US" dirty="0" smtClean="0"/>
+              <a:t> feature relation with other feature:</a:t>
+            </a:r>
           </a:p>
           <a:p>
             <a:pPr lvl="1"/>
@@ -3198,6 +3199,1361 @@
     <p:extLst>
       <p:ext uri="{BB962C8B-B14F-4D97-AF65-F5344CB8AC3E}">
         <p14:creationId xmlns:p14="http://schemas.microsoft.com/office/powerpoint/2010/main" val="1965759711"/>
+      </p:ext>
+    </p:extLst>
+  </p:cSld>
+  <p:clrMapOvr>
+    <a:masterClrMapping/>
+  </p:clrMapOvr>
+</p:sld>
+</file>
+
+<file path=ppt/slides/slide3.xml><?xml version="1.0" encoding="utf-8"?>
+<p:sld xmlns:a="http://schemas.openxmlformats.org/drawingml/2006/main" xmlns:r="http://schemas.openxmlformats.org/officeDocument/2006/relationships" xmlns:p="http://schemas.openxmlformats.org/presentationml/2006/main">
+  <p:cSld>
+    <p:spTree>
+      <p:nvGrpSpPr>
+        <p:cNvPr id="1" name=""/>
+        <p:cNvGrpSpPr/>
+        <p:nvPr/>
+      </p:nvGrpSpPr>
+      <p:grpSpPr>
+        <a:xfrm>
+          <a:off x="0" y="0"/>
+          <a:ext cx="0" cy="0"/>
+          <a:chOff x="0" y="0"/>
+          <a:chExt cx="0" cy="0"/>
+        </a:xfrm>
+      </p:grpSpPr>
+      <p:sp>
+        <p:nvSpPr>
+          <p:cNvPr id="2" name="Title 1"/>
+          <p:cNvSpPr>
+            <a:spLocks noGrp="1"/>
+          </p:cNvSpPr>
+          <p:nvPr>
+            <p:ph type="title"/>
+          </p:nvPr>
+        </p:nvSpPr>
+        <p:spPr/>
+        <p:txBody>
+          <a:bodyPr/>
+          <a:lstStyle/>
+          <a:p>
+            <a:r>
+              <a:rPr lang="en-US" dirty="0" err="1" smtClean="0"/>
+              <a:t>MoSold</a:t>
+            </a:r>
+            <a:r>
+              <a:rPr lang="en-US" dirty="0" smtClean="0"/>
+              <a:t> and </a:t>
+            </a:r>
+            <a:r>
+              <a:rPr lang="en-US" dirty="0" err="1" smtClean="0"/>
+              <a:t>YrSold</a:t>
+            </a:r>
+            <a:endParaRPr lang="en-US" dirty="0"/>
+          </a:p>
+        </p:txBody>
+      </p:sp>
+      <p:sp>
+        <p:nvSpPr>
+          <p:cNvPr id="3" name="Content Placeholder 2"/>
+          <p:cNvSpPr>
+            <a:spLocks noGrp="1"/>
+          </p:cNvSpPr>
+          <p:nvPr>
+            <p:ph idx="1"/>
+          </p:nvPr>
+        </p:nvSpPr>
+        <p:spPr>
+          <a:xfrm>
+            <a:off x="838200" y="1539187"/>
+            <a:ext cx="9043930" cy="3781960"/>
+          </a:xfrm>
+        </p:spPr>
+        <p:txBody>
+          <a:bodyPr>
+            <a:normAutofit/>
+          </a:bodyPr>
+          <a:lstStyle/>
+          <a:p>
+            <a:r>
+              <a:rPr lang="nb-NO" sz="1200" dirty="0" smtClean="0"/>
+              <a:t>ANOVA test for </a:t>
+            </a:r>
+            <a:r>
+              <a:rPr lang="nb-NO" sz="1200" dirty="0" err="1" smtClean="0"/>
+              <a:t>the</a:t>
+            </a:r>
+            <a:r>
+              <a:rPr lang="nb-NO" sz="1200" dirty="0" smtClean="0"/>
+              <a:t> 12 </a:t>
+            </a:r>
+            <a:r>
+              <a:rPr lang="nb-NO" sz="1200" dirty="0" err="1" smtClean="0"/>
+              <a:t>months</a:t>
+            </a:r>
+            <a:r>
+              <a:rPr lang="nb-NO" sz="1200" dirty="0" smtClean="0"/>
+              <a:t>: 	p-</a:t>
+            </a:r>
+            <a:r>
+              <a:rPr lang="nb-NO" sz="1200" dirty="0" err="1" smtClean="0"/>
+              <a:t>value</a:t>
+            </a:r>
+            <a:r>
+              <a:rPr lang="nb-NO" sz="1200" dirty="0" smtClean="0"/>
+              <a:t>,	0.4833</a:t>
+            </a:r>
+          </a:p>
+          <a:p>
+            <a:r>
+              <a:rPr lang="nb-NO" sz="1200" dirty="0" err="1" smtClean="0"/>
+              <a:t>Drop</a:t>
+            </a:r>
+            <a:r>
+              <a:rPr lang="nb-NO" sz="1200" dirty="0" smtClean="0"/>
+              <a:t> </a:t>
+            </a:r>
+            <a:r>
+              <a:rPr lang="nb-NO" sz="1200" dirty="0" err="1" smtClean="0"/>
+              <a:t>column</a:t>
+            </a:r>
+            <a:endParaRPr lang="nb-NO" sz="1200" dirty="0" smtClean="0"/>
+          </a:p>
+          <a:p>
+            <a:endParaRPr lang="nb-NO" sz="1200" dirty="0"/>
+          </a:p>
+          <a:p>
+            <a:r>
+              <a:rPr lang="nb-NO" sz="1200" dirty="0" smtClean="0"/>
+              <a:t>ANOVA test for </a:t>
+            </a:r>
+            <a:r>
+              <a:rPr lang="nb-NO" sz="1200" dirty="0" err="1" smtClean="0"/>
+              <a:t>the</a:t>
+            </a:r>
+            <a:r>
+              <a:rPr lang="nb-NO" sz="1200" dirty="0" smtClean="0"/>
+              <a:t> 2006 -2010 </a:t>
+            </a:r>
+            <a:r>
+              <a:rPr lang="nb-NO" sz="1200" dirty="0" err="1" smtClean="0"/>
+              <a:t>Years</a:t>
+            </a:r>
+            <a:r>
+              <a:rPr lang="nb-NO" sz="1200" dirty="0" smtClean="0"/>
+              <a:t>: 	p-</a:t>
+            </a:r>
+            <a:r>
+              <a:rPr lang="nb-NO" sz="1200" dirty="0" err="1" smtClean="0"/>
+              <a:t>value</a:t>
+            </a:r>
+            <a:r>
+              <a:rPr lang="nb-NO" sz="1200" dirty="0" smtClean="0"/>
+              <a:t>,	0.5656</a:t>
+            </a:r>
+            <a:endParaRPr lang="en-US" sz="1200" dirty="0" smtClean="0"/>
+          </a:p>
+          <a:p>
+            <a:r>
+              <a:rPr lang="nb-NO" sz="1200" dirty="0" err="1" smtClean="0"/>
+              <a:t>Drop</a:t>
+            </a:r>
+            <a:r>
+              <a:rPr lang="nb-NO" sz="1200" dirty="0" smtClean="0"/>
+              <a:t> </a:t>
+            </a:r>
+            <a:r>
+              <a:rPr lang="nb-NO" sz="1200" dirty="0" err="1" smtClean="0"/>
+              <a:t>column</a:t>
+            </a:r>
+            <a:endParaRPr lang="nb-NO" sz="1200" dirty="0" smtClean="0"/>
+          </a:p>
+        </p:txBody>
+      </p:sp>
+    </p:spTree>
+    <p:extLst>
+      <p:ext uri="{BB962C8B-B14F-4D97-AF65-F5344CB8AC3E}">
+        <p14:creationId xmlns:p14="http://schemas.microsoft.com/office/powerpoint/2010/main" val="715675796"/>
+      </p:ext>
+    </p:extLst>
+  </p:cSld>
+  <p:clrMapOvr>
+    <a:masterClrMapping/>
+  </p:clrMapOvr>
+</p:sld>
+</file>
+
+<file path=ppt/slides/slide4.xml><?xml version="1.0" encoding="utf-8"?>
+<p:sld xmlns:a="http://schemas.openxmlformats.org/drawingml/2006/main" xmlns:r="http://schemas.openxmlformats.org/officeDocument/2006/relationships" xmlns:p="http://schemas.openxmlformats.org/presentationml/2006/main">
+  <p:cSld>
+    <p:spTree>
+      <p:nvGrpSpPr>
+        <p:cNvPr id="1" name=""/>
+        <p:cNvGrpSpPr/>
+        <p:nvPr/>
+      </p:nvGrpSpPr>
+      <p:grpSpPr>
+        <a:xfrm>
+          <a:off x="0" y="0"/>
+          <a:ext cx="0" cy="0"/>
+          <a:chOff x="0" y="0"/>
+          <a:chExt cx="0" cy="0"/>
+        </a:xfrm>
+      </p:grpSpPr>
+      <p:sp>
+        <p:nvSpPr>
+          <p:cNvPr id="2" name="Title 1"/>
+          <p:cNvSpPr>
+            <a:spLocks noGrp="1"/>
+          </p:cNvSpPr>
+          <p:nvPr>
+            <p:ph type="title"/>
+          </p:nvPr>
+        </p:nvSpPr>
+        <p:spPr/>
+        <p:txBody>
+          <a:bodyPr/>
+          <a:lstStyle/>
+          <a:p>
+            <a:r>
+              <a:rPr lang="en-US" dirty="0" err="1" smtClean="0"/>
+              <a:t>MSSubClass</a:t>
+            </a:r>
+            <a:endParaRPr lang="en-US" dirty="0"/>
+          </a:p>
+        </p:txBody>
+      </p:sp>
+      <p:sp>
+        <p:nvSpPr>
+          <p:cNvPr id="3" name="Content Placeholder 2"/>
+          <p:cNvSpPr>
+            <a:spLocks noGrp="1"/>
+          </p:cNvSpPr>
+          <p:nvPr>
+            <p:ph idx="1"/>
+          </p:nvPr>
+        </p:nvSpPr>
+        <p:spPr>
+          <a:xfrm>
+            <a:off x="838200" y="1825625"/>
+            <a:ext cx="10817646" cy="4351338"/>
+          </a:xfrm>
+        </p:spPr>
+        <p:txBody>
+          <a:bodyPr>
+            <a:normAutofit fontScale="70000" lnSpcReduction="20000"/>
+          </a:bodyPr>
+          <a:lstStyle/>
+          <a:p>
+            <a:pPr marL="0" indent="0">
+              <a:lnSpc>
+                <a:spcPct val="100000"/>
+              </a:lnSpc>
+              <a:spcBef>
+                <a:spcPts val="0"/>
+              </a:spcBef>
+              <a:buNone/>
+            </a:pPr>
+            <a:r>
+              <a:rPr lang="nb-NO" dirty="0" err="1" smtClean="0"/>
+              <a:t>MSSubClass</a:t>
+            </a:r>
+            <a:r>
+              <a:rPr lang="nb-NO" dirty="0" smtClean="0"/>
+              <a:t> 	</a:t>
+            </a:r>
+            <a:r>
+              <a:rPr lang="nb-NO" dirty="0" err="1" smtClean="0"/>
+              <a:t>description</a:t>
+            </a:r>
+            <a:r>
+              <a:rPr lang="nb-NO" dirty="0" smtClean="0"/>
+              <a:t>			</a:t>
+            </a:r>
+            <a:r>
+              <a:rPr lang="nb-NO" dirty="0"/>
+              <a:t> </a:t>
+            </a:r>
+            <a:r>
+              <a:rPr lang="nb-NO" dirty="0" smtClean="0"/>
+              <a:t>  </a:t>
+            </a:r>
+            <a:r>
+              <a:rPr lang="nb-NO" dirty="0" err="1" smtClean="0"/>
+              <a:t>mean</a:t>
+            </a:r>
+            <a:r>
+              <a:rPr lang="nb-NO" dirty="0" smtClean="0"/>
+              <a:t> Price		Counts</a:t>
+            </a:r>
+          </a:p>
+          <a:p>
+            <a:pPr marL="0" indent="0">
+              <a:lnSpc>
+                <a:spcPct val="100000"/>
+              </a:lnSpc>
+              <a:spcBef>
+                <a:spcPts val="0"/>
+              </a:spcBef>
+              <a:buNone/>
+            </a:pPr>
+            <a:r>
+              <a:rPr lang="nb-NO" dirty="0" smtClean="0"/>
+              <a:t>20, 	1-STORY 1946 &amp; NEWER ALL STYLES,  	$185224.811567		</a:t>
+            </a:r>
+            <a:r>
+              <a:rPr lang="cs-CZ" dirty="0" smtClean="0"/>
+              <a:t> 536</a:t>
+            </a:r>
+            <a:endParaRPr lang="nb-NO" dirty="0" smtClean="0"/>
+          </a:p>
+          <a:p>
+            <a:pPr marL="0" indent="0">
+              <a:lnSpc>
+                <a:spcPct val="100000"/>
+              </a:lnSpc>
+              <a:spcBef>
+                <a:spcPts val="0"/>
+              </a:spcBef>
+              <a:buNone/>
+            </a:pPr>
+            <a:r>
+              <a:rPr lang="nb-NO" dirty="0" smtClean="0"/>
+              <a:t>30,</a:t>
+            </a:r>
+            <a:r>
+              <a:rPr lang="de-DE" dirty="0" smtClean="0"/>
+              <a:t> 	1-STORY 1945 &amp; OLDER,	 </a:t>
+            </a:r>
+            <a:r>
+              <a:rPr lang="nb-NO" dirty="0" smtClean="0"/>
+              <a:t> 		$95829.724638		 69</a:t>
+            </a:r>
+          </a:p>
+          <a:p>
+            <a:pPr marL="0" indent="0">
+              <a:lnSpc>
+                <a:spcPct val="100000"/>
+              </a:lnSpc>
+              <a:spcBef>
+                <a:spcPts val="0"/>
+              </a:spcBef>
+              <a:buNone/>
+            </a:pPr>
+            <a:r>
+              <a:rPr lang="nb-NO" dirty="0" smtClean="0"/>
+              <a:t>40, 	1-STORY W/FINISHED ATTIC ALL AGES, 	$156125.000000		 4</a:t>
+            </a:r>
+          </a:p>
+          <a:p>
+            <a:pPr marL="0" indent="0">
+              <a:lnSpc>
+                <a:spcPct val="100000"/>
+              </a:lnSpc>
+              <a:spcBef>
+                <a:spcPts val="0"/>
+              </a:spcBef>
+              <a:buNone/>
+            </a:pPr>
+            <a:r>
+              <a:rPr lang="nb-NO" dirty="0" smtClean="0"/>
+              <a:t>45,	 1-1/2 STORY - UNFINISHED ALL AGES 	108591.666667		</a:t>
+            </a:r>
+            <a:r>
+              <a:rPr lang="is-IS" dirty="0" smtClean="0"/>
+              <a:t> 12</a:t>
+            </a:r>
+            <a:endParaRPr lang="nb-NO" dirty="0" smtClean="0"/>
+          </a:p>
+          <a:p>
+            <a:pPr marL="0" indent="0">
+              <a:lnSpc>
+                <a:spcPct val="100000"/>
+              </a:lnSpc>
+              <a:spcBef>
+                <a:spcPts val="0"/>
+              </a:spcBef>
+              <a:buNone/>
+            </a:pPr>
+            <a:r>
+              <a:rPr lang="nb-NO" dirty="0" smtClean="0"/>
+              <a:t>50	 1-1/2 STORY FINISHED ALL AGES		143302.972222		 144</a:t>
+            </a:r>
+          </a:p>
+          <a:p>
+            <a:pPr marL="0" indent="0">
+              <a:lnSpc>
+                <a:spcPct val="100000"/>
+              </a:lnSpc>
+              <a:spcBef>
+                <a:spcPts val="0"/>
+              </a:spcBef>
+              <a:buNone/>
+            </a:pPr>
+            <a:r>
+              <a:rPr lang="nb-NO" dirty="0" smtClean="0"/>
+              <a:t>60	</a:t>
+            </a:r>
+            <a:r>
+              <a:rPr lang="de-DE" dirty="0" smtClean="0"/>
+              <a:t> 2-STORY 1946 &amp; NEWER			</a:t>
+            </a:r>
+            <a:r>
+              <a:rPr lang="nb-NO" dirty="0" smtClean="0"/>
+              <a:t> 239948.501672		</a:t>
+            </a:r>
+            <a:r>
+              <a:rPr lang="is-IS" dirty="0" smtClean="0"/>
+              <a:t> 299</a:t>
+            </a:r>
+            <a:endParaRPr lang="nb-NO" dirty="0" smtClean="0"/>
+          </a:p>
+          <a:p>
+            <a:pPr marL="0" indent="0">
+              <a:lnSpc>
+                <a:spcPct val="100000"/>
+              </a:lnSpc>
+              <a:spcBef>
+                <a:spcPts val="0"/>
+              </a:spcBef>
+              <a:buNone/>
+            </a:pPr>
+            <a:r>
+              <a:rPr lang="nb-NO" dirty="0" smtClean="0"/>
+              <a:t>70	</a:t>
+            </a:r>
+            <a:r>
+              <a:rPr lang="de-DE" dirty="0" smtClean="0"/>
+              <a:t> 2-STORY 1945 &amp; OLDER			</a:t>
+            </a:r>
+            <a:r>
+              <a:rPr lang="nb-NO" dirty="0" smtClean="0"/>
+              <a:t> 166772.416667		 60</a:t>
+            </a:r>
+          </a:p>
+          <a:p>
+            <a:pPr marL="0" indent="0">
+              <a:lnSpc>
+                <a:spcPct val="100000"/>
+              </a:lnSpc>
+              <a:spcBef>
+                <a:spcPts val="0"/>
+              </a:spcBef>
+              <a:buNone/>
+            </a:pPr>
+            <a:r>
+              <a:rPr lang="nb-NO" dirty="0" smtClean="0"/>
+              <a:t>75	 2-1/2 STORY ALL AGES			 192437.500000		 16</a:t>
+            </a:r>
+          </a:p>
+          <a:p>
+            <a:pPr marL="0" indent="0">
+              <a:lnSpc>
+                <a:spcPct val="100000"/>
+              </a:lnSpc>
+              <a:spcBef>
+                <a:spcPts val="0"/>
+              </a:spcBef>
+              <a:buNone/>
+            </a:pPr>
+            <a:r>
+              <a:rPr lang="nb-NO" dirty="0" smtClean="0"/>
+              <a:t>80	 SPLIT OR MULTI-LEVEL			 169736.551724		</a:t>
+            </a:r>
+            <a:r>
+              <a:rPr lang="ru-RU" dirty="0" smtClean="0"/>
+              <a:t> 58</a:t>
+            </a:r>
+            <a:endParaRPr lang="nb-NO" dirty="0" smtClean="0"/>
+          </a:p>
+          <a:p>
+            <a:pPr marL="0" indent="0">
+              <a:lnSpc>
+                <a:spcPct val="100000"/>
+              </a:lnSpc>
+              <a:spcBef>
+                <a:spcPts val="0"/>
+              </a:spcBef>
+              <a:buNone/>
+            </a:pPr>
+            <a:r>
+              <a:rPr lang="nb-NO" dirty="0" smtClean="0"/>
+              <a:t>85	 SPLIT FOYER				 147810.000000		</a:t>
+            </a:r>
+            <a:r>
+              <a:rPr lang="is-IS" dirty="0" smtClean="0"/>
+              <a:t> 20</a:t>
+            </a:r>
+            <a:endParaRPr lang="nb-NO" dirty="0" smtClean="0"/>
+          </a:p>
+          <a:p>
+            <a:pPr marL="0" indent="0">
+              <a:lnSpc>
+                <a:spcPct val="100000"/>
+              </a:lnSpc>
+              <a:spcBef>
+                <a:spcPts val="0"/>
+              </a:spcBef>
+              <a:buNone/>
+            </a:pPr>
+            <a:r>
+              <a:rPr lang="nb-NO" dirty="0" smtClean="0"/>
+              <a:t>90	 DUPLEX - ALL STYLES AND AGES		 133541.076923		</a:t>
+            </a:r>
+            <a:r>
+              <a:rPr lang="is-IS" dirty="0" smtClean="0"/>
+              <a:t> 52</a:t>
+            </a:r>
+            <a:endParaRPr lang="nb-NO" dirty="0" smtClean="0"/>
+          </a:p>
+          <a:p>
+            <a:pPr marL="0" indent="0">
+              <a:lnSpc>
+                <a:spcPct val="100000"/>
+              </a:lnSpc>
+              <a:spcBef>
+                <a:spcPts val="0"/>
+              </a:spcBef>
+              <a:buNone/>
+            </a:pPr>
+            <a:r>
+              <a:rPr lang="nb-NO" dirty="0" smtClean="0"/>
+              <a:t>120	 1-STORY PUD (</a:t>
+            </a:r>
+            <a:r>
+              <a:rPr lang="nb-NO" dirty="0" err="1" smtClean="0"/>
+              <a:t>Planned</a:t>
+            </a:r>
+            <a:r>
+              <a:rPr lang="nb-NO" dirty="0" smtClean="0"/>
+              <a:t> Unit Development) - 1946 &amp; NEWER	 200779.080460		</a:t>
+            </a:r>
+            <a:r>
+              <a:rPr lang="fi-FI" dirty="0" smtClean="0"/>
+              <a:t> 87</a:t>
+            </a:r>
+            <a:endParaRPr lang="nb-NO" dirty="0" smtClean="0"/>
+          </a:p>
+          <a:p>
+            <a:pPr marL="0" indent="0">
+              <a:lnSpc>
+                <a:spcPct val="100000"/>
+              </a:lnSpc>
+              <a:spcBef>
+                <a:spcPts val="0"/>
+              </a:spcBef>
+              <a:buNone/>
+            </a:pPr>
+            <a:r>
+              <a:rPr lang="nb-NO" dirty="0" smtClean="0"/>
+              <a:t>160 	 1-1/2 STORY PUD - ALL AGES 		138647.380952		</a:t>
+            </a:r>
+            <a:r>
+              <a:rPr lang="is-IS" dirty="0" smtClean="0"/>
+              <a:t> 63</a:t>
+            </a:r>
+            <a:endParaRPr lang="nb-NO" dirty="0" smtClean="0"/>
+          </a:p>
+          <a:p>
+            <a:pPr marL="0" indent="0">
+              <a:lnSpc>
+                <a:spcPct val="100000"/>
+              </a:lnSpc>
+              <a:spcBef>
+                <a:spcPts val="0"/>
+              </a:spcBef>
+              <a:buNone/>
+            </a:pPr>
+            <a:r>
+              <a:rPr lang="nb-NO" dirty="0" smtClean="0"/>
+              <a:t>180 	</a:t>
+            </a:r>
+            <a:r>
+              <a:rPr lang="de-DE" dirty="0" smtClean="0"/>
+              <a:t> 2-STORY PUD - 1946 &amp; NEWER 		</a:t>
+            </a:r>
+            <a:r>
+              <a:rPr lang="nb-NO" dirty="0" smtClean="0"/>
+              <a:t>102300.000000		</a:t>
+            </a:r>
+            <a:r>
+              <a:rPr lang="fi-FI" dirty="0" smtClean="0"/>
+              <a:t> 10</a:t>
+            </a:r>
+            <a:endParaRPr lang="nb-NO" dirty="0" smtClean="0"/>
+          </a:p>
+          <a:p>
+            <a:pPr marL="0" indent="0">
+              <a:lnSpc>
+                <a:spcPct val="100000"/>
+              </a:lnSpc>
+              <a:spcBef>
+                <a:spcPts val="0"/>
+              </a:spcBef>
+              <a:buNone/>
+            </a:pPr>
+            <a:r>
+              <a:rPr lang="nb-NO" dirty="0" smtClean="0"/>
+              <a:t>190 	 PUD - MULTILEVEL - INCL SPLIT LEV/FOYER 	129613.333333		 30</a:t>
+            </a:r>
+            <a:endParaRPr lang="en-US" dirty="0"/>
+          </a:p>
+        </p:txBody>
+      </p:sp>
+    </p:spTree>
+    <p:extLst>
+      <p:ext uri="{BB962C8B-B14F-4D97-AF65-F5344CB8AC3E}">
+        <p14:creationId xmlns:p14="http://schemas.microsoft.com/office/powerpoint/2010/main" val="1138865190"/>
+      </p:ext>
+    </p:extLst>
+  </p:cSld>
+  <p:clrMapOvr>
+    <a:masterClrMapping/>
+  </p:clrMapOvr>
+</p:sld>
+</file>
+
+<file path=ppt/slides/slide5.xml><?xml version="1.0" encoding="utf-8"?>
+<p:sld xmlns:a="http://schemas.openxmlformats.org/drawingml/2006/main" xmlns:r="http://schemas.openxmlformats.org/officeDocument/2006/relationships" xmlns:p="http://schemas.openxmlformats.org/presentationml/2006/main">
+  <p:cSld>
+    <p:spTree>
+      <p:nvGrpSpPr>
+        <p:cNvPr id="1" name=""/>
+        <p:cNvGrpSpPr/>
+        <p:nvPr/>
+      </p:nvGrpSpPr>
+      <p:grpSpPr>
+        <a:xfrm>
+          <a:off x="0" y="0"/>
+          <a:ext cx="0" cy="0"/>
+          <a:chOff x="0" y="0"/>
+          <a:chExt cx="0" cy="0"/>
+        </a:xfrm>
+      </p:grpSpPr>
+      <p:sp>
+        <p:nvSpPr>
+          <p:cNvPr id="2" name="Title 1"/>
+          <p:cNvSpPr>
+            <a:spLocks noGrp="1"/>
+          </p:cNvSpPr>
+          <p:nvPr>
+            <p:ph type="title"/>
+          </p:nvPr>
+        </p:nvSpPr>
+        <p:spPr>
+          <a:xfrm>
+            <a:off x="110169" y="11017"/>
+            <a:ext cx="9573658" cy="1325563"/>
+          </a:xfrm>
+        </p:spPr>
+        <p:txBody>
+          <a:bodyPr/>
+          <a:lstStyle/>
+          <a:p>
+            <a:r>
+              <a:rPr lang="en-US" dirty="0" err="1" smtClean="0"/>
+              <a:t>MSSubClass</a:t>
+            </a:r>
+            <a:endParaRPr lang="en-US" dirty="0"/>
+          </a:p>
+        </p:txBody>
+      </p:sp>
+      <p:sp>
+        <p:nvSpPr>
+          <p:cNvPr id="3" name="Content Placeholder 2"/>
+          <p:cNvSpPr>
+            <a:spLocks noGrp="1"/>
+          </p:cNvSpPr>
+          <p:nvPr>
+            <p:ph idx="1"/>
+          </p:nvPr>
+        </p:nvSpPr>
+        <p:spPr>
+          <a:xfrm>
+            <a:off x="838200" y="1325563"/>
+            <a:ext cx="4403151" cy="1776891"/>
+          </a:xfrm>
+        </p:spPr>
+        <p:txBody>
+          <a:bodyPr>
+            <a:normAutofit fontScale="92500"/>
+          </a:bodyPr>
+          <a:lstStyle/>
+          <a:p>
+            <a:r>
+              <a:rPr lang="en-US" sz="1400" dirty="0" smtClean="0"/>
+              <a:t>Important feature</a:t>
+            </a:r>
+          </a:p>
+          <a:p>
+            <a:r>
+              <a:rPr lang="en-US" sz="1400" dirty="0" smtClean="0"/>
+              <a:t>contain too much information</a:t>
+            </a:r>
+          </a:p>
+          <a:p>
+            <a:r>
+              <a:rPr lang="en-US" sz="1400" dirty="0" smtClean="0"/>
+              <a:t>Share info with </a:t>
+            </a:r>
+            <a:r>
+              <a:rPr lang="en-US" sz="1400" dirty="0" err="1" smtClean="0"/>
+              <a:t>HouseType</a:t>
+            </a:r>
+            <a:r>
+              <a:rPr lang="en-US" sz="1400" dirty="0" smtClean="0"/>
+              <a:t>, </a:t>
+            </a:r>
+            <a:r>
+              <a:rPr lang="en-US" sz="1400" dirty="0" err="1" smtClean="0"/>
+              <a:t>Year_built</a:t>
+            </a:r>
+            <a:endParaRPr lang="en-US" sz="1400" dirty="0" smtClean="0"/>
+          </a:p>
+          <a:p>
+            <a:r>
+              <a:rPr lang="en-US" sz="1400" dirty="0" smtClean="0"/>
+              <a:t>Type of Int64 make no sense. Should change to category </a:t>
+            </a:r>
+          </a:p>
+          <a:p>
+            <a:r>
+              <a:rPr lang="en-US" sz="1400" dirty="0" smtClean="0"/>
+              <a:t>Should </a:t>
+            </a:r>
+            <a:r>
+              <a:rPr lang="en-US" sz="1400" dirty="0" smtClean="0"/>
+              <a:t>split into different features and combine with others</a:t>
+            </a:r>
+            <a:endParaRPr lang="en-US" sz="1400" dirty="0"/>
+          </a:p>
+        </p:txBody>
+      </p:sp>
+      <p:pic>
+        <p:nvPicPr>
+          <p:cNvPr id="4" name="Picture 3"/>
+          <p:cNvPicPr>
+            <a:picLocks noChangeAspect="1"/>
+          </p:cNvPicPr>
+          <p:nvPr/>
+        </p:nvPicPr>
+        <p:blipFill>
+          <a:blip r:embed="rId2"/>
+          <a:stretch>
+            <a:fillRect/>
+          </a:stretch>
+        </p:blipFill>
+        <p:spPr>
+          <a:xfrm>
+            <a:off x="6707475" y="2333"/>
+            <a:ext cx="4940300" cy="3352800"/>
+          </a:xfrm>
+          <a:prstGeom prst="rect">
+            <a:avLst/>
+          </a:prstGeom>
+        </p:spPr>
+      </p:pic>
+      <p:pic>
+        <p:nvPicPr>
+          <p:cNvPr id="5" name="Picture 4"/>
+          <p:cNvPicPr>
+            <a:picLocks noChangeAspect="1"/>
+          </p:cNvPicPr>
+          <p:nvPr/>
+        </p:nvPicPr>
+        <p:blipFill>
+          <a:blip r:embed="rId3"/>
+          <a:stretch>
+            <a:fillRect/>
+          </a:stretch>
+        </p:blipFill>
+        <p:spPr>
+          <a:xfrm>
+            <a:off x="549381" y="3255980"/>
+            <a:ext cx="4914900" cy="3314700"/>
+          </a:xfrm>
+          <a:prstGeom prst="rect">
+            <a:avLst/>
+          </a:prstGeom>
+        </p:spPr>
+      </p:pic>
+      <p:pic>
+        <p:nvPicPr>
+          <p:cNvPr id="6" name="Picture 5"/>
+          <p:cNvPicPr>
+            <a:picLocks noChangeAspect="1"/>
+          </p:cNvPicPr>
+          <p:nvPr/>
+        </p:nvPicPr>
+        <p:blipFill>
+          <a:blip r:embed="rId4"/>
+          <a:stretch>
+            <a:fillRect/>
+          </a:stretch>
+        </p:blipFill>
+        <p:spPr>
+          <a:xfrm>
+            <a:off x="6707475" y="3344116"/>
+            <a:ext cx="4940300" cy="3314700"/>
+          </a:xfrm>
+          <a:prstGeom prst="rect">
+            <a:avLst/>
+          </a:prstGeom>
+        </p:spPr>
+      </p:pic>
+    </p:spTree>
+    <p:extLst>
+      <p:ext uri="{BB962C8B-B14F-4D97-AF65-F5344CB8AC3E}">
+        <p14:creationId xmlns:p14="http://schemas.microsoft.com/office/powerpoint/2010/main" val="755949707"/>
+      </p:ext>
+    </p:extLst>
+  </p:cSld>
+  <p:clrMapOvr>
+    <a:masterClrMapping/>
+  </p:clrMapOvr>
+</p:sld>
+</file>
+
+<file path=ppt/slides/slide6.xml><?xml version="1.0" encoding="utf-8"?>
+<p:sld xmlns:a="http://schemas.openxmlformats.org/drawingml/2006/main" xmlns:r="http://schemas.openxmlformats.org/officeDocument/2006/relationships" xmlns:p="http://schemas.openxmlformats.org/presentationml/2006/main">
+  <p:cSld>
+    <p:spTree>
+      <p:nvGrpSpPr>
+        <p:cNvPr id="1" name=""/>
+        <p:cNvGrpSpPr/>
+        <p:nvPr/>
+      </p:nvGrpSpPr>
+      <p:grpSpPr>
+        <a:xfrm>
+          <a:off x="0" y="0"/>
+          <a:ext cx="0" cy="0"/>
+          <a:chOff x="0" y="0"/>
+          <a:chExt cx="0" cy="0"/>
+        </a:xfrm>
+      </p:grpSpPr>
+      <p:sp>
+        <p:nvSpPr>
+          <p:cNvPr id="2" name="Title 1"/>
+          <p:cNvSpPr>
+            <a:spLocks noGrp="1"/>
+          </p:cNvSpPr>
+          <p:nvPr>
+            <p:ph type="title"/>
+          </p:nvPr>
+        </p:nvSpPr>
+        <p:spPr>
+          <a:xfrm>
+            <a:off x="0" y="0"/>
+            <a:ext cx="10515600" cy="1325563"/>
+          </a:xfrm>
+        </p:spPr>
+        <p:txBody>
+          <a:bodyPr/>
+          <a:lstStyle/>
+          <a:p>
+            <a:r>
+              <a:rPr lang="en-US" dirty="0" err="1" smtClean="0"/>
+              <a:t>YearBuilt</a:t>
+            </a:r>
+            <a:endParaRPr lang="en-US" dirty="0"/>
+          </a:p>
+        </p:txBody>
+      </p:sp>
+      <p:sp>
+        <p:nvSpPr>
+          <p:cNvPr id="3" name="Content Placeholder 2"/>
+          <p:cNvSpPr>
+            <a:spLocks noGrp="1"/>
+          </p:cNvSpPr>
+          <p:nvPr>
+            <p:ph idx="1"/>
+          </p:nvPr>
+        </p:nvSpPr>
+        <p:spPr>
+          <a:xfrm>
+            <a:off x="193623" y="1332421"/>
+            <a:ext cx="6592767" cy="1248081"/>
+          </a:xfrm>
+        </p:spPr>
+        <p:txBody>
+          <a:bodyPr>
+            <a:normAutofit fontScale="55000" lnSpcReduction="20000"/>
+          </a:bodyPr>
+          <a:lstStyle/>
+          <a:p>
+            <a:r>
+              <a:rPr lang="en-US" dirty="0" smtClean="0"/>
+              <a:t>Price:</a:t>
+            </a:r>
+          </a:p>
+          <a:p>
+            <a:pPr lvl="1"/>
+            <a:r>
+              <a:rPr lang="en-US" dirty="0" smtClean="0"/>
+              <a:t>before 1945, not linear. After 1945, linear</a:t>
+            </a:r>
+          </a:p>
+          <a:p>
+            <a:pPr lvl="1"/>
+            <a:r>
+              <a:rPr lang="en-US" dirty="0" smtClean="0"/>
+              <a:t>Thus for </a:t>
+            </a:r>
+            <a:r>
+              <a:rPr lang="en-US" dirty="0" err="1" smtClean="0"/>
+              <a:t>Muti</a:t>
+            </a:r>
+            <a:r>
+              <a:rPr lang="en-US" dirty="0" smtClean="0"/>
+              <a:t>, linear model:</a:t>
+            </a:r>
+          </a:p>
+          <a:p>
+            <a:pPr lvl="2"/>
+            <a:r>
+              <a:rPr lang="en-US" dirty="0" smtClean="0"/>
+              <a:t> ‘1945 before’=0, 1946=1, 1947=2, 1948=3</a:t>
+            </a:r>
+            <a:r>
+              <a:rPr lang="mr-IN" dirty="0" smtClean="0"/>
+              <a:t>…</a:t>
+            </a:r>
+            <a:endParaRPr lang="en-US" dirty="0" smtClean="0"/>
+          </a:p>
+          <a:p>
+            <a:r>
+              <a:rPr lang="en-US" dirty="0" smtClean="0"/>
+              <a:t>count</a:t>
+            </a:r>
+            <a:endParaRPr lang="en-US" dirty="0"/>
+          </a:p>
+        </p:txBody>
+      </p:sp>
+      <p:pic>
+        <p:nvPicPr>
+          <p:cNvPr id="4" name="Picture 3"/>
+          <p:cNvPicPr>
+            <a:picLocks noChangeAspect="1"/>
+          </p:cNvPicPr>
+          <p:nvPr/>
+        </p:nvPicPr>
+        <p:blipFill>
+          <a:blip r:embed="rId2"/>
+          <a:stretch>
+            <a:fillRect/>
+          </a:stretch>
+        </p:blipFill>
+        <p:spPr>
+          <a:xfrm>
+            <a:off x="838200" y="2919882"/>
+            <a:ext cx="4838700" cy="3352800"/>
+          </a:xfrm>
+          <a:prstGeom prst="rect">
+            <a:avLst/>
+          </a:prstGeom>
+        </p:spPr>
+      </p:pic>
+      <p:pic>
+        <p:nvPicPr>
+          <p:cNvPr id="5" name="Picture 4"/>
+          <p:cNvPicPr>
+            <a:picLocks noChangeAspect="1"/>
+          </p:cNvPicPr>
+          <p:nvPr/>
+        </p:nvPicPr>
+        <p:blipFill>
+          <a:blip r:embed="rId3"/>
+          <a:stretch>
+            <a:fillRect/>
+          </a:stretch>
+        </p:blipFill>
+        <p:spPr>
+          <a:xfrm>
+            <a:off x="6096000" y="3379719"/>
+            <a:ext cx="4940300" cy="3314700"/>
+          </a:xfrm>
+          <a:prstGeom prst="rect">
+            <a:avLst/>
+          </a:prstGeom>
+        </p:spPr>
+      </p:pic>
+      <p:pic>
+        <p:nvPicPr>
+          <p:cNvPr id="6" name="Picture 5"/>
+          <p:cNvPicPr>
+            <a:picLocks noChangeAspect="1"/>
+          </p:cNvPicPr>
+          <p:nvPr/>
+        </p:nvPicPr>
+        <p:blipFill>
+          <a:blip r:embed="rId4"/>
+          <a:stretch>
+            <a:fillRect/>
+          </a:stretch>
+        </p:blipFill>
+        <p:spPr>
+          <a:xfrm>
+            <a:off x="6096000" y="0"/>
+            <a:ext cx="4940300" cy="3314700"/>
+          </a:xfrm>
+          <a:prstGeom prst="rect">
+            <a:avLst/>
+          </a:prstGeom>
+        </p:spPr>
+      </p:pic>
+    </p:spTree>
+    <p:extLst>
+      <p:ext uri="{BB962C8B-B14F-4D97-AF65-F5344CB8AC3E}">
+        <p14:creationId xmlns:p14="http://schemas.microsoft.com/office/powerpoint/2010/main" val="2041449711"/>
+      </p:ext>
+    </p:extLst>
+  </p:cSld>
+  <p:clrMapOvr>
+    <a:masterClrMapping/>
+  </p:clrMapOvr>
+</p:sld>
+</file>
+
+<file path=ppt/slides/slide7.xml><?xml version="1.0" encoding="utf-8"?>
+<p:sld xmlns:a="http://schemas.openxmlformats.org/drawingml/2006/main" xmlns:r="http://schemas.openxmlformats.org/officeDocument/2006/relationships" xmlns:p="http://schemas.openxmlformats.org/presentationml/2006/main">
+  <p:cSld>
+    <p:spTree>
+      <p:nvGrpSpPr>
+        <p:cNvPr id="1" name=""/>
+        <p:cNvGrpSpPr/>
+        <p:nvPr/>
+      </p:nvGrpSpPr>
+      <p:grpSpPr>
+        <a:xfrm>
+          <a:off x="0" y="0"/>
+          <a:ext cx="0" cy="0"/>
+          <a:chOff x="0" y="0"/>
+          <a:chExt cx="0" cy="0"/>
+        </a:xfrm>
+      </p:grpSpPr>
+      <p:sp>
+        <p:nvSpPr>
+          <p:cNvPr id="2" name="Title 1"/>
+          <p:cNvSpPr>
+            <a:spLocks noGrp="1"/>
+          </p:cNvSpPr>
+          <p:nvPr>
+            <p:ph type="title"/>
+          </p:nvPr>
+        </p:nvSpPr>
+        <p:spPr/>
+        <p:txBody>
+          <a:bodyPr/>
+          <a:lstStyle/>
+          <a:p>
+            <a:r>
+              <a:rPr lang="en-US" dirty="0" err="1" smtClean="0"/>
+              <a:t>YearRemodAdd</a:t>
+            </a:r>
+            <a:endParaRPr lang="en-US" dirty="0"/>
+          </a:p>
+        </p:txBody>
+      </p:sp>
+      <p:sp>
+        <p:nvSpPr>
+          <p:cNvPr id="3" name="Content Placeholder 2"/>
+          <p:cNvSpPr>
+            <a:spLocks noGrp="1"/>
+          </p:cNvSpPr>
+          <p:nvPr>
+            <p:ph idx="1"/>
+          </p:nvPr>
+        </p:nvSpPr>
+        <p:spPr>
+          <a:xfrm>
+            <a:off x="838200" y="1586429"/>
+            <a:ext cx="5121925" cy="1377108"/>
+          </a:xfrm>
+        </p:spPr>
+        <p:txBody>
+          <a:bodyPr>
+            <a:normAutofit fontScale="47500" lnSpcReduction="20000"/>
+          </a:bodyPr>
+          <a:lstStyle/>
+          <a:p>
+            <a:r>
+              <a:rPr lang="en-US" dirty="0" smtClean="0"/>
+              <a:t>All value later than 1950</a:t>
+            </a:r>
+          </a:p>
+          <a:p>
+            <a:r>
+              <a:rPr lang="en-US" dirty="0" smtClean="0"/>
+              <a:t>Linearity with Price</a:t>
+            </a:r>
+          </a:p>
+          <a:p>
+            <a:r>
+              <a:rPr lang="en-US" dirty="0" smtClean="0"/>
+              <a:t>Numbers in 1950 is huge</a:t>
+            </a:r>
+          </a:p>
+          <a:p>
+            <a:r>
+              <a:rPr lang="en-US" dirty="0" smtClean="0"/>
+              <a:t>May use this feature. Set 1950 as 0. 1951 as 1, 1952, as 2 </a:t>
+            </a:r>
+            <a:r>
+              <a:rPr lang="mr-IN" dirty="0" smtClean="0"/>
+              <a:t>…</a:t>
+            </a:r>
+            <a:r>
+              <a:rPr lang="en-US" dirty="0" smtClean="0"/>
+              <a:t>.</a:t>
+            </a:r>
+          </a:p>
+          <a:p>
+            <a:r>
+              <a:rPr lang="en-US" dirty="0" smtClean="0"/>
+              <a:t>And drop the </a:t>
+            </a:r>
+            <a:r>
+              <a:rPr lang="en-US" dirty="0" err="1" smtClean="0"/>
+              <a:t>YearBuilt</a:t>
+            </a:r>
+            <a:r>
+              <a:rPr lang="en-US" dirty="0" smtClean="0"/>
+              <a:t> column</a:t>
+            </a:r>
+          </a:p>
+          <a:p>
+            <a:endParaRPr lang="en-US" dirty="0"/>
+          </a:p>
+        </p:txBody>
+      </p:sp>
+      <p:pic>
+        <p:nvPicPr>
+          <p:cNvPr id="4" name="Picture 3"/>
+          <p:cNvPicPr>
+            <a:picLocks noChangeAspect="1"/>
+          </p:cNvPicPr>
+          <p:nvPr/>
+        </p:nvPicPr>
+        <p:blipFill>
+          <a:blip r:embed="rId2"/>
+          <a:stretch>
+            <a:fillRect/>
+          </a:stretch>
+        </p:blipFill>
+        <p:spPr>
+          <a:xfrm>
+            <a:off x="6833744" y="0"/>
+            <a:ext cx="4940300" cy="3314700"/>
+          </a:xfrm>
+          <a:prstGeom prst="rect">
+            <a:avLst/>
+          </a:prstGeom>
+        </p:spPr>
+      </p:pic>
+      <p:pic>
+        <p:nvPicPr>
+          <p:cNvPr id="5" name="Picture 4"/>
+          <p:cNvPicPr>
+            <a:picLocks noChangeAspect="1"/>
+          </p:cNvPicPr>
+          <p:nvPr/>
+        </p:nvPicPr>
+        <p:blipFill>
+          <a:blip r:embed="rId3"/>
+          <a:stretch>
+            <a:fillRect/>
+          </a:stretch>
+        </p:blipFill>
+        <p:spPr>
+          <a:xfrm>
+            <a:off x="838200" y="2880922"/>
+            <a:ext cx="4914900" cy="3314700"/>
+          </a:xfrm>
+          <a:prstGeom prst="rect">
+            <a:avLst/>
+          </a:prstGeom>
+        </p:spPr>
+      </p:pic>
+      <p:pic>
+        <p:nvPicPr>
+          <p:cNvPr id="6" name="Picture 5"/>
+          <p:cNvPicPr>
+            <a:picLocks noChangeAspect="1"/>
+          </p:cNvPicPr>
+          <p:nvPr/>
+        </p:nvPicPr>
+        <p:blipFill>
+          <a:blip r:embed="rId4"/>
+          <a:stretch>
+            <a:fillRect/>
+          </a:stretch>
+        </p:blipFill>
+        <p:spPr>
+          <a:xfrm>
+            <a:off x="6833744" y="3314700"/>
+            <a:ext cx="4940300" cy="3314700"/>
+          </a:xfrm>
+          <a:prstGeom prst="rect">
+            <a:avLst/>
+          </a:prstGeom>
+        </p:spPr>
+      </p:pic>
+    </p:spTree>
+    <p:extLst>
+      <p:ext uri="{BB962C8B-B14F-4D97-AF65-F5344CB8AC3E}">
+        <p14:creationId xmlns:p14="http://schemas.microsoft.com/office/powerpoint/2010/main" val="63221883"/>
+      </p:ext>
+    </p:extLst>
+  </p:cSld>
+  <p:clrMapOvr>
+    <a:masterClrMapping/>
+  </p:clrMapOvr>
+</p:sld>
+</file>
+
+<file path=ppt/slides/slide8.xml><?xml version="1.0" encoding="utf-8"?>
+<p:sld xmlns:a="http://schemas.openxmlformats.org/drawingml/2006/main" xmlns:r="http://schemas.openxmlformats.org/officeDocument/2006/relationships" xmlns:p="http://schemas.openxmlformats.org/presentationml/2006/main">
+  <p:cSld>
+    <p:spTree>
+      <p:nvGrpSpPr>
+        <p:cNvPr id="1" name=""/>
+        <p:cNvGrpSpPr/>
+        <p:nvPr/>
+      </p:nvGrpSpPr>
+      <p:grpSpPr>
+        <a:xfrm>
+          <a:off x="0" y="0"/>
+          <a:ext cx="0" cy="0"/>
+          <a:chOff x="0" y="0"/>
+          <a:chExt cx="0" cy="0"/>
+        </a:xfrm>
+      </p:grpSpPr>
+      <p:sp>
+        <p:nvSpPr>
+          <p:cNvPr id="2" name="Title 1"/>
+          <p:cNvSpPr>
+            <a:spLocks noGrp="1"/>
+          </p:cNvSpPr>
+          <p:nvPr>
+            <p:ph type="title"/>
+          </p:nvPr>
+        </p:nvSpPr>
+        <p:spPr/>
+        <p:txBody>
+          <a:bodyPr/>
+          <a:lstStyle/>
+          <a:p>
+            <a:r>
+              <a:rPr lang="en-US" dirty="0" err="1" smtClean="0"/>
+              <a:t>HouseStyle</a:t>
+            </a:r>
+            <a:r>
+              <a:rPr lang="en-US" dirty="0" smtClean="0"/>
+              <a:t>:</a:t>
+            </a:r>
+            <a:r>
+              <a:rPr lang="en-US" dirty="0" smtClean="0"/>
+              <a:t> Style of dwelling</a:t>
+            </a:r>
+            <a:endParaRPr lang="en-US" dirty="0"/>
+          </a:p>
+        </p:txBody>
+      </p:sp>
+      <p:sp>
+        <p:nvSpPr>
+          <p:cNvPr id="3" name="Content Placeholder 2"/>
+          <p:cNvSpPr>
+            <a:spLocks noGrp="1"/>
+          </p:cNvSpPr>
+          <p:nvPr>
+            <p:ph idx="1"/>
+          </p:nvPr>
+        </p:nvSpPr>
+        <p:spPr>
+          <a:xfrm>
+            <a:off x="838200" y="1825625"/>
+            <a:ext cx="6344798" cy="3616708"/>
+          </a:xfrm>
+        </p:spPr>
+        <p:txBody>
+          <a:bodyPr>
+            <a:normAutofit/>
+          </a:bodyPr>
+          <a:lstStyle/>
+          <a:p>
+            <a:r>
+              <a:rPr lang="en-US" sz="1400" dirty="0" smtClean="0"/>
+              <a:t>1Story	 One story</a:t>
+            </a:r>
+          </a:p>
+          <a:p>
+            <a:r>
+              <a:rPr lang="en-US" sz="1400" dirty="0" smtClean="0"/>
+              <a:t> 1.5Fin	 One and one-half story: 2nd level finished </a:t>
+            </a:r>
+          </a:p>
+          <a:p>
+            <a:r>
+              <a:rPr lang="en-US" sz="1400" dirty="0" smtClean="0"/>
+              <a:t>1.5Unf 	One and one-half story: 2nd level unfinished</a:t>
+            </a:r>
+          </a:p>
+          <a:p>
+            <a:r>
+              <a:rPr lang="en-US" sz="1400" dirty="0" smtClean="0"/>
+              <a:t> 2Story 	Two story</a:t>
+            </a:r>
+          </a:p>
+          <a:p>
+            <a:r>
+              <a:rPr lang="en-US" sz="1400" dirty="0" smtClean="0"/>
+              <a:t> 2.5Fin 	Two and one-half story: 2nd level finished </a:t>
+            </a:r>
+          </a:p>
+          <a:p>
+            <a:r>
+              <a:rPr lang="en-US" sz="1400" dirty="0" smtClean="0"/>
+              <a:t>2.5Unf 	Two and one-half story: 2nd level unfinished</a:t>
+            </a:r>
+          </a:p>
+          <a:p>
+            <a:r>
+              <a:rPr lang="en-US" sz="1400" dirty="0" smtClean="0"/>
+              <a:t> </a:t>
+            </a:r>
+            <a:r>
+              <a:rPr lang="en-US" sz="1400" dirty="0" err="1" smtClean="0"/>
+              <a:t>SFoyer</a:t>
+            </a:r>
+            <a:r>
+              <a:rPr lang="en-US" sz="1400" dirty="0" smtClean="0"/>
+              <a:t> 	Split Foyer</a:t>
+            </a:r>
+          </a:p>
+          <a:p>
+            <a:r>
+              <a:rPr lang="en-US" sz="1400" dirty="0" smtClean="0"/>
+              <a:t> </a:t>
+            </a:r>
+            <a:r>
+              <a:rPr lang="en-US" sz="1400" dirty="0" err="1" smtClean="0"/>
+              <a:t>SLvl</a:t>
+            </a:r>
+            <a:r>
+              <a:rPr lang="en-US" sz="1400" dirty="0" smtClean="0"/>
+              <a:t> 	Split Level</a:t>
+            </a:r>
+            <a:endParaRPr lang="en-US" sz="1400" dirty="0"/>
+          </a:p>
+        </p:txBody>
+      </p:sp>
+    </p:spTree>
+    <p:extLst>
+      <p:ext uri="{BB962C8B-B14F-4D97-AF65-F5344CB8AC3E}">
+        <p14:creationId xmlns:p14="http://schemas.microsoft.com/office/powerpoint/2010/main" val="1909189713"/>
       </p:ext>
     </p:extLst>
   </p:cSld>

--- a/Presentation_record.pptx
+++ b/Presentation_record.pptx
@@ -4,6 +4,9 @@
   <p:sldMasterIdLst>
     <p:sldMasterId id="2147483648" r:id="rId1"/>
   </p:sldMasterIdLst>
+  <p:notesMasterIdLst>
+    <p:notesMasterId r:id="rId11"/>
+  </p:notesMasterIdLst>
   <p:sldIdLst>
     <p:sldId id="256" r:id="rId2"/>
     <p:sldId id="257" r:id="rId3"/>
@@ -12,7 +15,8 @@
     <p:sldId id="261" r:id="rId6"/>
     <p:sldId id="260" r:id="rId7"/>
     <p:sldId id="263" r:id="rId8"/>
-    <p:sldId id="262" r:id="rId9"/>
+    <p:sldId id="264" r:id="rId9"/>
+    <p:sldId id="262" r:id="rId10"/>
   </p:sldIdLst>
   <p:sldSz cx="12192000" cy="6858000"/>
   <p:notesSz cx="6858000" cy="9144000"/>
@@ -111,7 +115,446 @@
       </a:defRPr>
     </a:lvl9pPr>
   </p:defaultTextStyle>
+  <p:extLst>
+    <p:ext uri="{EFAFB233-063F-42B5-8137-9DF3F51BA10A}">
+      <p15:sldGuideLst xmlns:p15="http://schemas.microsoft.com/office/powerpoint/2012/main"/>
+    </p:ext>
+  </p:extLst>
 </p:presentation>
+</file>
+
+<file path=ppt/notesMasters/notesMaster1.xml><?xml version="1.0" encoding="utf-8"?>
+<p:notesMaster xmlns:a="http://schemas.openxmlformats.org/drawingml/2006/main" xmlns:r="http://schemas.openxmlformats.org/officeDocument/2006/relationships" xmlns:p="http://schemas.openxmlformats.org/presentationml/2006/main">
+  <p:cSld>
+    <p:bg>
+      <p:bgRef idx="1001">
+        <a:schemeClr val="bg1"/>
+      </p:bgRef>
+    </p:bg>
+    <p:spTree>
+      <p:nvGrpSpPr>
+        <p:cNvPr id="1" name=""/>
+        <p:cNvGrpSpPr/>
+        <p:nvPr/>
+      </p:nvGrpSpPr>
+      <p:grpSpPr>
+        <a:xfrm>
+          <a:off x="0" y="0"/>
+          <a:ext cx="0" cy="0"/>
+          <a:chOff x="0" y="0"/>
+          <a:chExt cx="0" cy="0"/>
+        </a:xfrm>
+      </p:grpSpPr>
+      <p:sp>
+        <p:nvSpPr>
+          <p:cNvPr id="2" name="Header Placeholder 1"/>
+          <p:cNvSpPr>
+            <a:spLocks noGrp="1"/>
+          </p:cNvSpPr>
+          <p:nvPr>
+            <p:ph type="hdr" sz="quarter"/>
+          </p:nvPr>
+        </p:nvSpPr>
+        <p:spPr>
+          <a:xfrm>
+            <a:off x="0" y="0"/>
+            <a:ext cx="2971800" cy="458788"/>
+          </a:xfrm>
+          <a:prstGeom prst="rect">
+            <a:avLst/>
+          </a:prstGeom>
+        </p:spPr>
+        <p:txBody>
+          <a:bodyPr vert="horz" lIns="91440" tIns="45720" rIns="91440" bIns="45720" rtlCol="0"/>
+          <a:lstStyle>
+            <a:lvl1pPr algn="l">
+              <a:defRPr sz="1200"/>
+            </a:lvl1pPr>
+          </a:lstStyle>
+          <a:p>
+            <a:endParaRPr lang="en-US"/>
+          </a:p>
+        </p:txBody>
+      </p:sp>
+      <p:sp>
+        <p:nvSpPr>
+          <p:cNvPr id="3" name="Date Placeholder 2"/>
+          <p:cNvSpPr>
+            <a:spLocks noGrp="1"/>
+          </p:cNvSpPr>
+          <p:nvPr>
+            <p:ph type="dt" idx="1"/>
+          </p:nvPr>
+        </p:nvSpPr>
+        <p:spPr>
+          <a:xfrm>
+            <a:off x="3884613" y="0"/>
+            <a:ext cx="2971800" cy="458788"/>
+          </a:xfrm>
+          <a:prstGeom prst="rect">
+            <a:avLst/>
+          </a:prstGeom>
+        </p:spPr>
+        <p:txBody>
+          <a:bodyPr vert="horz" lIns="91440" tIns="45720" rIns="91440" bIns="45720" rtlCol="0"/>
+          <a:lstStyle>
+            <a:lvl1pPr algn="r">
+              <a:defRPr sz="1200"/>
+            </a:lvl1pPr>
+          </a:lstStyle>
+          <a:p>
+            <a:fld id="{CD19FE4B-2C14-DB41-95E0-F4B934667A57}" type="datetimeFigureOut">
+              <a:rPr lang="en-US" smtClean="0"/>
+              <a:t>11/10/17</a:t>
+            </a:fld>
+            <a:endParaRPr lang="en-US"/>
+          </a:p>
+        </p:txBody>
+      </p:sp>
+      <p:sp>
+        <p:nvSpPr>
+          <p:cNvPr id="4" name="Slide Image Placeholder 3"/>
+          <p:cNvSpPr>
+            <a:spLocks noGrp="1" noRot="1" noChangeAspect="1"/>
+          </p:cNvSpPr>
+          <p:nvPr>
+            <p:ph type="sldImg" idx="2"/>
+          </p:nvPr>
+        </p:nvSpPr>
+        <p:spPr>
+          <a:xfrm>
+            <a:off x="685800" y="1143000"/>
+            <a:ext cx="5486400" cy="3086100"/>
+          </a:xfrm>
+          <a:prstGeom prst="rect">
+            <a:avLst/>
+          </a:prstGeom>
+          <a:noFill/>
+          <a:ln w="12700">
+            <a:solidFill>
+              <a:prstClr val="black"/>
+            </a:solidFill>
+          </a:ln>
+        </p:spPr>
+        <p:txBody>
+          <a:bodyPr vert="horz" lIns="91440" tIns="45720" rIns="91440" bIns="45720" rtlCol="0" anchor="ctr"/>
+          <a:lstStyle/>
+          <a:p>
+            <a:endParaRPr lang="en-US"/>
+          </a:p>
+        </p:txBody>
+      </p:sp>
+      <p:sp>
+        <p:nvSpPr>
+          <p:cNvPr id="5" name="Notes Placeholder 4"/>
+          <p:cNvSpPr>
+            <a:spLocks noGrp="1"/>
+          </p:cNvSpPr>
+          <p:nvPr>
+            <p:ph type="body" sz="quarter" idx="3"/>
+          </p:nvPr>
+        </p:nvSpPr>
+        <p:spPr>
+          <a:xfrm>
+            <a:off x="685800" y="4400550"/>
+            <a:ext cx="5486400" cy="3600450"/>
+          </a:xfrm>
+          <a:prstGeom prst="rect">
+            <a:avLst/>
+          </a:prstGeom>
+        </p:spPr>
+        <p:txBody>
+          <a:bodyPr vert="horz" lIns="91440" tIns="45720" rIns="91440" bIns="45720" rtlCol="0"/>
+          <a:lstStyle/>
+          <a:p>
+            <a:pPr lvl="0"/>
+            <a:r>
+              <a:rPr lang="en-US" smtClean="0"/>
+              <a:t>Click to edit Master text styles</a:t>
+            </a:r>
+          </a:p>
+          <a:p>
+            <a:pPr lvl="1"/>
+            <a:r>
+              <a:rPr lang="en-US" smtClean="0"/>
+              <a:t>Second level</a:t>
+            </a:r>
+          </a:p>
+          <a:p>
+            <a:pPr lvl="2"/>
+            <a:r>
+              <a:rPr lang="en-US" smtClean="0"/>
+              <a:t>Third level</a:t>
+            </a:r>
+          </a:p>
+          <a:p>
+            <a:pPr lvl="3"/>
+            <a:r>
+              <a:rPr lang="en-US" smtClean="0"/>
+              <a:t>Fourth level</a:t>
+            </a:r>
+          </a:p>
+          <a:p>
+            <a:pPr lvl="4"/>
+            <a:r>
+              <a:rPr lang="en-US" smtClean="0"/>
+              <a:t>Fifth level</a:t>
+            </a:r>
+            <a:endParaRPr lang="en-US"/>
+          </a:p>
+        </p:txBody>
+      </p:sp>
+      <p:sp>
+        <p:nvSpPr>
+          <p:cNvPr id="6" name="Footer Placeholder 5"/>
+          <p:cNvSpPr>
+            <a:spLocks noGrp="1"/>
+          </p:cNvSpPr>
+          <p:nvPr>
+            <p:ph type="ftr" sz="quarter" idx="4"/>
+          </p:nvPr>
+        </p:nvSpPr>
+        <p:spPr>
+          <a:xfrm>
+            <a:off x="0" y="8685213"/>
+            <a:ext cx="2971800" cy="458787"/>
+          </a:xfrm>
+          <a:prstGeom prst="rect">
+            <a:avLst/>
+          </a:prstGeom>
+        </p:spPr>
+        <p:txBody>
+          <a:bodyPr vert="horz" lIns="91440" tIns="45720" rIns="91440" bIns="45720" rtlCol="0" anchor="b"/>
+          <a:lstStyle>
+            <a:lvl1pPr algn="l">
+              <a:defRPr sz="1200"/>
+            </a:lvl1pPr>
+          </a:lstStyle>
+          <a:p>
+            <a:endParaRPr lang="en-US"/>
+          </a:p>
+        </p:txBody>
+      </p:sp>
+      <p:sp>
+        <p:nvSpPr>
+          <p:cNvPr id="7" name="Slide Number Placeholder 6"/>
+          <p:cNvSpPr>
+            <a:spLocks noGrp="1"/>
+          </p:cNvSpPr>
+          <p:nvPr>
+            <p:ph type="sldNum" sz="quarter" idx="5"/>
+          </p:nvPr>
+        </p:nvSpPr>
+        <p:spPr>
+          <a:xfrm>
+            <a:off x="3884613" y="8685213"/>
+            <a:ext cx="2971800" cy="458787"/>
+          </a:xfrm>
+          <a:prstGeom prst="rect">
+            <a:avLst/>
+          </a:prstGeom>
+        </p:spPr>
+        <p:txBody>
+          <a:bodyPr vert="horz" lIns="91440" tIns="45720" rIns="91440" bIns="45720" rtlCol="0" anchor="b"/>
+          <a:lstStyle>
+            <a:lvl1pPr algn="r">
+              <a:defRPr sz="1200"/>
+            </a:lvl1pPr>
+          </a:lstStyle>
+          <a:p>
+            <a:fld id="{716A7AFD-3D62-914A-8F43-00434159E988}" type="slidenum">
+              <a:rPr lang="en-US" smtClean="0"/>
+              <a:t>‹#›</a:t>
+            </a:fld>
+            <a:endParaRPr lang="en-US"/>
+          </a:p>
+        </p:txBody>
+      </p:sp>
+    </p:spTree>
+    <p:extLst>
+      <p:ext uri="{BB962C8B-B14F-4D97-AF65-F5344CB8AC3E}">
+        <p14:creationId xmlns:p14="http://schemas.microsoft.com/office/powerpoint/2010/main" val="2086749235"/>
+      </p:ext>
+    </p:extLst>
+  </p:cSld>
+  <p:clrMap bg1="lt1" tx1="dk1" bg2="lt2" tx2="dk2" accent1="accent1" accent2="accent2" accent3="accent3" accent4="accent4" accent5="accent5" accent6="accent6" hlink="hlink" folHlink="folHlink"/>
+  <p:notesStyle>
+    <a:lvl1pPr marL="0" algn="l" defTabSz="914400" rtl="0" eaLnBrk="1" latinLnBrk="0" hangingPunct="1">
+      <a:defRPr sz="1200" kern="1200">
+        <a:solidFill>
+          <a:schemeClr val="tx1"/>
+        </a:solidFill>
+        <a:latin typeface="+mn-lt"/>
+        <a:ea typeface="+mn-ea"/>
+        <a:cs typeface="+mn-cs"/>
+      </a:defRPr>
+    </a:lvl1pPr>
+    <a:lvl2pPr marL="457200" algn="l" defTabSz="914400" rtl="0" eaLnBrk="1" latinLnBrk="0" hangingPunct="1">
+      <a:defRPr sz="1200" kern="1200">
+        <a:solidFill>
+          <a:schemeClr val="tx1"/>
+        </a:solidFill>
+        <a:latin typeface="+mn-lt"/>
+        <a:ea typeface="+mn-ea"/>
+        <a:cs typeface="+mn-cs"/>
+      </a:defRPr>
+    </a:lvl2pPr>
+    <a:lvl3pPr marL="914400" algn="l" defTabSz="914400" rtl="0" eaLnBrk="1" latinLnBrk="0" hangingPunct="1">
+      <a:defRPr sz="1200" kern="1200">
+        <a:solidFill>
+          <a:schemeClr val="tx1"/>
+        </a:solidFill>
+        <a:latin typeface="+mn-lt"/>
+        <a:ea typeface="+mn-ea"/>
+        <a:cs typeface="+mn-cs"/>
+      </a:defRPr>
+    </a:lvl3pPr>
+    <a:lvl4pPr marL="1371600" algn="l" defTabSz="914400" rtl="0" eaLnBrk="1" latinLnBrk="0" hangingPunct="1">
+      <a:defRPr sz="1200" kern="1200">
+        <a:solidFill>
+          <a:schemeClr val="tx1"/>
+        </a:solidFill>
+        <a:latin typeface="+mn-lt"/>
+        <a:ea typeface="+mn-ea"/>
+        <a:cs typeface="+mn-cs"/>
+      </a:defRPr>
+    </a:lvl4pPr>
+    <a:lvl5pPr marL="1828800" algn="l" defTabSz="914400" rtl="0" eaLnBrk="1" latinLnBrk="0" hangingPunct="1">
+      <a:defRPr sz="1200" kern="1200">
+        <a:solidFill>
+          <a:schemeClr val="tx1"/>
+        </a:solidFill>
+        <a:latin typeface="+mn-lt"/>
+        <a:ea typeface="+mn-ea"/>
+        <a:cs typeface="+mn-cs"/>
+      </a:defRPr>
+    </a:lvl5pPr>
+    <a:lvl6pPr marL="2286000" algn="l" defTabSz="914400" rtl="0" eaLnBrk="1" latinLnBrk="0" hangingPunct="1">
+      <a:defRPr sz="1200" kern="1200">
+        <a:solidFill>
+          <a:schemeClr val="tx1"/>
+        </a:solidFill>
+        <a:latin typeface="+mn-lt"/>
+        <a:ea typeface="+mn-ea"/>
+        <a:cs typeface="+mn-cs"/>
+      </a:defRPr>
+    </a:lvl6pPr>
+    <a:lvl7pPr marL="2743200" algn="l" defTabSz="914400" rtl="0" eaLnBrk="1" latinLnBrk="0" hangingPunct="1">
+      <a:defRPr sz="1200" kern="1200">
+        <a:solidFill>
+          <a:schemeClr val="tx1"/>
+        </a:solidFill>
+        <a:latin typeface="+mn-lt"/>
+        <a:ea typeface="+mn-ea"/>
+        <a:cs typeface="+mn-cs"/>
+      </a:defRPr>
+    </a:lvl7pPr>
+    <a:lvl8pPr marL="3200400" algn="l" defTabSz="914400" rtl="0" eaLnBrk="1" latinLnBrk="0" hangingPunct="1">
+      <a:defRPr sz="1200" kern="1200">
+        <a:solidFill>
+          <a:schemeClr val="tx1"/>
+        </a:solidFill>
+        <a:latin typeface="+mn-lt"/>
+        <a:ea typeface="+mn-ea"/>
+        <a:cs typeface="+mn-cs"/>
+      </a:defRPr>
+    </a:lvl8pPr>
+    <a:lvl9pPr marL="3657600" algn="l" defTabSz="914400" rtl="0" eaLnBrk="1" latinLnBrk="0" hangingPunct="1">
+      <a:defRPr sz="1200" kern="1200">
+        <a:solidFill>
+          <a:schemeClr val="tx1"/>
+        </a:solidFill>
+        <a:latin typeface="+mn-lt"/>
+        <a:ea typeface="+mn-ea"/>
+        <a:cs typeface="+mn-cs"/>
+      </a:defRPr>
+    </a:lvl9pPr>
+  </p:notesStyle>
+</p:notesMaster>
+</file>
+
+<file path=ppt/notesSlides/notesSlide1.xml><?xml version="1.0" encoding="utf-8"?>
+<p:notes xmlns:a="http://schemas.openxmlformats.org/drawingml/2006/main" xmlns:r="http://schemas.openxmlformats.org/officeDocument/2006/relationships" xmlns:p="http://schemas.openxmlformats.org/presentationml/2006/main">
+  <p:cSld>
+    <p:spTree>
+      <p:nvGrpSpPr>
+        <p:cNvPr id="1" name=""/>
+        <p:cNvGrpSpPr/>
+        <p:nvPr/>
+      </p:nvGrpSpPr>
+      <p:grpSpPr>
+        <a:xfrm>
+          <a:off x="0" y="0"/>
+          <a:ext cx="0" cy="0"/>
+          <a:chOff x="0" y="0"/>
+          <a:chExt cx="0" cy="0"/>
+        </a:xfrm>
+      </p:grpSpPr>
+      <p:sp>
+        <p:nvSpPr>
+          <p:cNvPr id="2" name="Slide Image Placeholder 1"/>
+          <p:cNvSpPr>
+            <a:spLocks noGrp="1" noRot="1" noChangeAspect="1"/>
+          </p:cNvSpPr>
+          <p:nvPr>
+            <p:ph type="sldImg"/>
+          </p:nvPr>
+        </p:nvSpPr>
+        <p:spPr/>
+      </p:sp>
+      <p:sp>
+        <p:nvSpPr>
+          <p:cNvPr id="3" name="Notes Placeholder 2"/>
+          <p:cNvSpPr>
+            <a:spLocks noGrp="1"/>
+          </p:cNvSpPr>
+          <p:nvPr>
+            <p:ph type="body" idx="1"/>
+          </p:nvPr>
+        </p:nvSpPr>
+        <p:spPr/>
+        <p:txBody>
+          <a:bodyPr/>
+          <a:lstStyle/>
+          <a:p>
+            <a:endParaRPr lang="en-US" dirty="0"/>
+          </a:p>
+        </p:txBody>
+      </p:sp>
+      <p:sp>
+        <p:nvSpPr>
+          <p:cNvPr id="4" name="Slide Number Placeholder 3"/>
+          <p:cNvSpPr>
+            <a:spLocks noGrp="1"/>
+          </p:cNvSpPr>
+          <p:nvPr>
+            <p:ph type="sldNum" sz="quarter" idx="10"/>
+          </p:nvPr>
+        </p:nvSpPr>
+        <p:spPr/>
+        <p:txBody>
+          <a:bodyPr/>
+          <a:lstStyle/>
+          <a:p>
+            <a:fld id="{716A7AFD-3D62-914A-8F43-00434159E988}" type="slidenum">
+              <a:rPr lang="en-US" smtClean="0"/>
+              <a:t>3</a:t>
+            </a:fld>
+            <a:endParaRPr lang="en-US"/>
+          </a:p>
+        </p:txBody>
+      </p:sp>
+    </p:spTree>
+    <p:extLst>
+      <p:ext uri="{BB962C8B-B14F-4D97-AF65-F5344CB8AC3E}">
+        <p14:creationId xmlns:p14="http://schemas.microsoft.com/office/powerpoint/2010/main" val="1438953488"/>
+      </p:ext>
+    </p:extLst>
+  </p:cSld>
+  <p:clrMapOvr>
+    <a:masterClrMapping/>
+  </p:clrMapOvr>
+</p:notes>
 </file>
 
 <file path=ppt/slideLayouts/slideLayout1.xml><?xml version="1.0" encoding="utf-8"?>
@@ -245,7 +688,7 @@
           <a:p>
             <a:fld id="{8FB893DC-08A9-B640-ADDF-3DBAFAB6C387}" type="datetimeFigureOut">
               <a:rPr lang="en-US" smtClean="0"/>
-              <a:t>11/8/17</a:t>
+              <a:t>11/10/17</a:t>
             </a:fld>
             <a:endParaRPr lang="en-US"/>
           </a:p>
@@ -415,7 +858,7 @@
           <a:p>
             <a:fld id="{8FB893DC-08A9-B640-ADDF-3DBAFAB6C387}" type="datetimeFigureOut">
               <a:rPr lang="en-US" smtClean="0"/>
-              <a:t>11/8/17</a:t>
+              <a:t>11/10/17</a:t>
             </a:fld>
             <a:endParaRPr lang="en-US"/>
           </a:p>
@@ -595,7 +1038,7 @@
           <a:p>
             <a:fld id="{8FB893DC-08A9-B640-ADDF-3DBAFAB6C387}" type="datetimeFigureOut">
               <a:rPr lang="en-US" smtClean="0"/>
-              <a:t>11/8/17</a:t>
+              <a:t>11/10/17</a:t>
             </a:fld>
             <a:endParaRPr lang="en-US"/>
           </a:p>
@@ -765,7 +1208,7 @@
           <a:p>
             <a:fld id="{8FB893DC-08A9-B640-ADDF-3DBAFAB6C387}" type="datetimeFigureOut">
               <a:rPr lang="en-US" smtClean="0"/>
-              <a:t>11/8/17</a:t>
+              <a:t>11/10/17</a:t>
             </a:fld>
             <a:endParaRPr lang="en-US"/>
           </a:p>
@@ -1011,7 +1454,7 @@
           <a:p>
             <a:fld id="{8FB893DC-08A9-B640-ADDF-3DBAFAB6C387}" type="datetimeFigureOut">
               <a:rPr lang="en-US" smtClean="0"/>
-              <a:t>11/8/17</a:t>
+              <a:t>11/10/17</a:t>
             </a:fld>
             <a:endParaRPr lang="en-US"/>
           </a:p>
@@ -1243,7 +1686,7 @@
           <a:p>
             <a:fld id="{8FB893DC-08A9-B640-ADDF-3DBAFAB6C387}" type="datetimeFigureOut">
               <a:rPr lang="en-US" smtClean="0"/>
-              <a:t>11/8/17</a:t>
+              <a:t>11/10/17</a:t>
             </a:fld>
             <a:endParaRPr lang="en-US"/>
           </a:p>
@@ -1610,7 +2053,7 @@
           <a:p>
             <a:fld id="{8FB893DC-08A9-B640-ADDF-3DBAFAB6C387}" type="datetimeFigureOut">
               <a:rPr lang="en-US" smtClean="0"/>
-              <a:t>11/8/17</a:t>
+              <a:t>11/10/17</a:t>
             </a:fld>
             <a:endParaRPr lang="en-US"/>
           </a:p>
@@ -1728,7 +2171,7 @@
           <a:p>
             <a:fld id="{8FB893DC-08A9-B640-ADDF-3DBAFAB6C387}" type="datetimeFigureOut">
               <a:rPr lang="en-US" smtClean="0"/>
-              <a:t>11/8/17</a:t>
+              <a:t>11/10/17</a:t>
             </a:fld>
             <a:endParaRPr lang="en-US"/>
           </a:p>
@@ -1823,7 +2266,7 @@
           <a:p>
             <a:fld id="{8FB893DC-08A9-B640-ADDF-3DBAFAB6C387}" type="datetimeFigureOut">
               <a:rPr lang="en-US" smtClean="0"/>
-              <a:t>11/8/17</a:t>
+              <a:t>11/10/17</a:t>
             </a:fld>
             <a:endParaRPr lang="en-US"/>
           </a:p>
@@ -2100,7 +2543,7 @@
           <a:p>
             <a:fld id="{8FB893DC-08A9-B640-ADDF-3DBAFAB6C387}" type="datetimeFigureOut">
               <a:rPr lang="en-US" smtClean="0"/>
-              <a:t>11/8/17</a:t>
+              <a:t>11/10/17</a:t>
             </a:fld>
             <a:endParaRPr lang="en-US"/>
           </a:p>
@@ -2353,7 +2796,7 @@
           <a:p>
             <a:fld id="{8FB893DC-08A9-B640-ADDF-3DBAFAB6C387}" type="datetimeFigureOut">
               <a:rPr lang="en-US" smtClean="0"/>
-              <a:t>11/8/17</a:t>
+              <a:t>11/10/17</a:t>
             </a:fld>
             <a:endParaRPr lang="en-US"/>
           </a:p>
@@ -2566,7 +3009,7 @@
           <a:p>
             <a:fld id="{8FB893DC-08A9-B640-ADDF-3DBAFAB6C387}" type="datetimeFigureOut">
               <a:rPr lang="en-US" smtClean="0"/>
-              <a:t>11/8/17</a:t>
+              <a:t>11/10/17</a:t>
             </a:fld>
             <a:endParaRPr lang="en-US"/>
           </a:p>
@@ -3922,11 +4365,7 @@
           <a:p>
             <a:r>
               <a:rPr lang="en-US" sz="1400" dirty="0" smtClean="0"/>
-              <a:t>Should </a:t>
-            </a:r>
-            <a:r>
-              <a:rPr lang="en-US" sz="1400" dirty="0" smtClean="0"/>
-              <a:t>split into different features and combine with others</a:t>
+              <a:t>Should split into different features and combine with others</a:t>
             </a:r>
             <a:endParaRPr lang="en-US" sz="1400" dirty="0"/>
           </a:p>
@@ -4148,7 +4587,7 @@
         </p:blipFill>
         <p:spPr>
           <a:xfrm>
-            <a:off x="838200" y="2919882"/>
+            <a:off x="838200" y="2931033"/>
             <a:ext cx="4838700" cy="3352800"/>
           </a:xfrm>
           <a:prstGeom prst="rect">
@@ -4447,16 +4886,93 @@
           <a:lstStyle/>
           <a:p>
             <a:r>
+              <a:rPr lang="en-US" dirty="0" smtClean="0"/>
+              <a:t>Neighborhood</a:t>
+            </a:r>
+            <a:endParaRPr lang="en-US" dirty="0"/>
+          </a:p>
+        </p:txBody>
+      </p:sp>
+      <p:sp>
+        <p:nvSpPr>
+          <p:cNvPr id="3" name="Content Placeholder 2"/>
+          <p:cNvSpPr>
+            <a:spLocks noGrp="1"/>
+          </p:cNvSpPr>
+          <p:nvPr>
+            <p:ph idx="1"/>
+          </p:nvPr>
+        </p:nvSpPr>
+        <p:spPr>
+          <a:xfrm>
+            <a:off x="838201" y="1825625"/>
+            <a:ext cx="3020122" cy="973331"/>
+          </a:xfrm>
+        </p:spPr>
+        <p:txBody>
+          <a:bodyPr/>
+          <a:lstStyle/>
+          <a:p>
+            <a:r>
+              <a:rPr lang="en-US" dirty="0" smtClean="0"/>
+              <a:t>complex</a:t>
+            </a:r>
+            <a:endParaRPr lang="en-US" dirty="0"/>
+          </a:p>
+        </p:txBody>
+      </p:sp>
+    </p:spTree>
+    <p:extLst>
+      <p:ext uri="{BB962C8B-B14F-4D97-AF65-F5344CB8AC3E}">
+        <p14:creationId xmlns:p14="http://schemas.microsoft.com/office/powerpoint/2010/main" val="458911874"/>
+      </p:ext>
+    </p:extLst>
+  </p:cSld>
+  <p:clrMapOvr>
+    <a:masterClrMapping/>
+  </p:clrMapOvr>
+</p:sld>
+</file>
+
+<file path=ppt/slides/slide9.xml><?xml version="1.0" encoding="utf-8"?>
+<p:sld xmlns:a="http://schemas.openxmlformats.org/drawingml/2006/main" xmlns:r="http://schemas.openxmlformats.org/officeDocument/2006/relationships" xmlns:p="http://schemas.openxmlformats.org/presentationml/2006/main">
+  <p:cSld>
+    <p:spTree>
+      <p:nvGrpSpPr>
+        <p:cNvPr id="1" name=""/>
+        <p:cNvGrpSpPr/>
+        <p:nvPr/>
+      </p:nvGrpSpPr>
+      <p:grpSpPr>
+        <a:xfrm>
+          <a:off x="0" y="0"/>
+          <a:ext cx="0" cy="0"/>
+          <a:chOff x="0" y="0"/>
+          <a:chExt cx="0" cy="0"/>
+        </a:xfrm>
+      </p:grpSpPr>
+      <p:sp>
+        <p:nvSpPr>
+          <p:cNvPr id="2" name="Title 1"/>
+          <p:cNvSpPr>
+            <a:spLocks noGrp="1"/>
+          </p:cNvSpPr>
+          <p:nvPr>
+            <p:ph type="title"/>
+          </p:nvPr>
+        </p:nvSpPr>
+        <p:spPr/>
+        <p:txBody>
+          <a:bodyPr/>
+          <a:lstStyle/>
+          <a:p>
+            <a:r>
               <a:rPr lang="en-US" dirty="0" err="1" smtClean="0"/>
               <a:t>HouseStyle</a:t>
             </a:r>
             <a:r>
               <a:rPr lang="en-US" dirty="0" smtClean="0"/>
-              <a:t>:</a:t>
-            </a:r>
-            <a:r>
-              <a:rPr lang="en-US" dirty="0" smtClean="0"/>
-              <a:t> Style of dwelling</a:t>
+              <a:t>: Style of dwelling</a:t>
             </a:r>
             <a:endParaRPr lang="en-US" dirty="0"/>
           </a:p>
@@ -4822,4 +5338,265 @@
     </a:ext>
   </a:extLst>
 </a:theme>
+</file>
+
+<file path=ppt/theme/theme2.xml><?xml version="1.0" encoding="utf-8"?>
+<a:theme xmlns:a="http://schemas.openxmlformats.org/drawingml/2006/main" name="Office Theme">
+  <a:themeElements>
+    <a:clrScheme name="Office">
+      <a:dk1>
+        <a:sysClr val="windowText" lastClr="000000"/>
+      </a:dk1>
+      <a:lt1>
+        <a:sysClr val="window" lastClr="FFFFFF"/>
+      </a:lt1>
+      <a:dk2>
+        <a:srgbClr val="44546A"/>
+      </a:dk2>
+      <a:lt2>
+        <a:srgbClr val="E7E6E6"/>
+      </a:lt2>
+      <a:accent1>
+        <a:srgbClr val="5B9BD5"/>
+      </a:accent1>
+      <a:accent2>
+        <a:srgbClr val="ED7D31"/>
+      </a:accent2>
+      <a:accent3>
+        <a:srgbClr val="A5A5A5"/>
+      </a:accent3>
+      <a:accent4>
+        <a:srgbClr val="FFC000"/>
+      </a:accent4>
+      <a:accent5>
+        <a:srgbClr val="4472C4"/>
+      </a:accent5>
+      <a:accent6>
+        <a:srgbClr val="70AD47"/>
+      </a:accent6>
+      <a:hlink>
+        <a:srgbClr val="0563C1"/>
+      </a:hlink>
+      <a:folHlink>
+        <a:srgbClr val="954F72"/>
+      </a:folHlink>
+    </a:clrScheme>
+    <a:fontScheme name="Office">
+      <a:majorFont>
+        <a:latin typeface="Calibri Light" panose="020F0302020204030204"/>
+        <a:ea typeface=""/>
+        <a:cs typeface=""/>
+        <a:font script="Jpan" typeface="Yu Gothic Light"/>
+        <a:font script="Hang" typeface="맑은 고딕"/>
+        <a:font script="Hans" typeface="DengXian Light"/>
+        <a:font script="Hant" typeface="新細明體"/>
+        <a:font script="Arab" typeface="Times New Roman"/>
+        <a:font script="Hebr" typeface="Times New Roman"/>
+        <a:font script="Thai" typeface="Angsana New"/>
+        <a:font script="Ethi" typeface="Nyala"/>
+        <a:font script="Beng" typeface="Vrinda"/>
+        <a:font script="Gujr" typeface="Shruti"/>
+        <a:font script="Khmr" typeface="MoolBoran"/>
+        <a:font script="Knda" typeface="Tunga"/>
+        <a:font script="Guru" typeface="Raavi"/>
+        <a:font script="Cans" typeface="Euphemia"/>
+        <a:font script="Cher" typeface="Plantagenet Cherokee"/>
+        <a:font script="Yiii" typeface="Microsoft Yi Baiti"/>
+        <a:font script="Tibt" typeface="Microsoft Himalaya"/>
+        <a:font script="Thaa" typeface="MV Boli"/>
+        <a:font script="Deva" typeface="Mangal"/>
+        <a:font script="Telu" typeface="Gautami"/>
+        <a:font script="Taml" typeface="Latha"/>
+        <a:font script="Syrc" typeface="Estrangelo Edessa"/>
+        <a:font script="Orya" typeface="Kalinga"/>
+        <a:font script="Mlym" typeface="Kartika"/>
+        <a:font script="Laoo" typeface="DokChampa"/>
+        <a:font script="Sinh" typeface="Iskoola Pota"/>
+        <a:font script="Mong" typeface="Mongolian Baiti"/>
+        <a:font script="Viet" typeface="Times New Roman"/>
+        <a:font script="Uigh" typeface="Microsoft Uighur"/>
+        <a:font script="Geor" typeface="Sylfaen"/>
+      </a:majorFont>
+      <a:minorFont>
+        <a:latin typeface="Calibri" panose="020F0502020204030204"/>
+        <a:ea typeface=""/>
+        <a:cs typeface=""/>
+        <a:font script="Jpan" typeface="Yu Gothic"/>
+        <a:font script="Hang" typeface="맑은 고딕"/>
+        <a:font script="Hans" typeface="DengXian"/>
+        <a:font script="Hant" typeface="新細明體"/>
+        <a:font script="Arab" typeface="Arial"/>
+        <a:font script="Hebr" typeface="Arial"/>
+        <a:font script="Thai" typeface="Cordia New"/>
+        <a:font script="Ethi" typeface="Nyala"/>
+        <a:font script="Beng" typeface="Vrinda"/>
+        <a:font script="Gujr" typeface="Shruti"/>
+        <a:font script="Khmr" typeface="DaunPenh"/>
+        <a:font script="Knda" typeface="Tunga"/>
+        <a:font script="Guru" typeface="Raavi"/>
+        <a:font script="Cans" typeface="Euphemia"/>
+        <a:font script="Cher" typeface="Plantagenet Cherokee"/>
+        <a:font script="Yiii" typeface="Microsoft Yi Baiti"/>
+        <a:font script="Tibt" typeface="Microsoft Himalaya"/>
+        <a:font script="Thaa" typeface="MV Boli"/>
+        <a:font script="Deva" typeface="Mangal"/>
+        <a:font script="Telu" typeface="Gautami"/>
+        <a:font script="Taml" typeface="Latha"/>
+        <a:font script="Syrc" typeface="Estrangelo Edessa"/>
+        <a:font script="Orya" typeface="Kalinga"/>
+        <a:font script="Mlym" typeface="Kartika"/>
+        <a:font script="Laoo" typeface="DokChampa"/>
+        <a:font script="Sinh" typeface="Iskoola Pota"/>
+        <a:font script="Mong" typeface="Mongolian Baiti"/>
+        <a:font script="Viet" typeface="Arial"/>
+        <a:font script="Uigh" typeface="Microsoft Uighur"/>
+        <a:font script="Geor" typeface="Sylfaen"/>
+      </a:minorFont>
+    </a:fontScheme>
+    <a:fmtScheme name="Office">
+      <a:fillStyleLst>
+        <a:solidFill>
+          <a:schemeClr val="phClr"/>
+        </a:solidFill>
+        <a:gradFill rotWithShape="1">
+          <a:gsLst>
+            <a:gs pos="0">
+              <a:schemeClr val="phClr">
+                <a:lumMod val="110000"/>
+                <a:satMod val="105000"/>
+                <a:tint val="67000"/>
+              </a:schemeClr>
+            </a:gs>
+            <a:gs pos="50000">
+              <a:schemeClr val="phClr">
+                <a:lumMod val="105000"/>
+                <a:satMod val="103000"/>
+                <a:tint val="73000"/>
+              </a:schemeClr>
+            </a:gs>
+            <a:gs pos="100000">
+              <a:schemeClr val="phClr">
+                <a:lumMod val="105000"/>
+                <a:satMod val="109000"/>
+                <a:tint val="81000"/>
+              </a:schemeClr>
+            </a:gs>
+          </a:gsLst>
+          <a:lin ang="5400000" scaled="0"/>
+        </a:gradFill>
+        <a:gradFill rotWithShape="1">
+          <a:gsLst>
+            <a:gs pos="0">
+              <a:schemeClr val="phClr">
+                <a:satMod val="103000"/>
+                <a:lumMod val="102000"/>
+                <a:tint val="94000"/>
+              </a:schemeClr>
+            </a:gs>
+            <a:gs pos="50000">
+              <a:schemeClr val="phClr">
+                <a:satMod val="110000"/>
+                <a:lumMod val="100000"/>
+                <a:shade val="100000"/>
+              </a:schemeClr>
+            </a:gs>
+            <a:gs pos="100000">
+              <a:schemeClr val="phClr">
+                <a:lumMod val="99000"/>
+                <a:satMod val="120000"/>
+                <a:shade val="78000"/>
+              </a:schemeClr>
+            </a:gs>
+          </a:gsLst>
+          <a:lin ang="5400000" scaled="0"/>
+        </a:gradFill>
+      </a:fillStyleLst>
+      <a:lnStyleLst>
+        <a:ln w="6350" cap="flat" cmpd="sng" algn="ctr">
+          <a:solidFill>
+            <a:schemeClr val="phClr"/>
+          </a:solidFill>
+          <a:prstDash val="solid"/>
+          <a:miter lim="800000"/>
+        </a:ln>
+        <a:ln w="12700" cap="flat" cmpd="sng" algn="ctr">
+          <a:solidFill>
+            <a:schemeClr val="phClr"/>
+          </a:solidFill>
+          <a:prstDash val="solid"/>
+          <a:miter lim="800000"/>
+        </a:ln>
+        <a:ln w="19050" cap="flat" cmpd="sng" algn="ctr">
+          <a:solidFill>
+            <a:schemeClr val="phClr"/>
+          </a:solidFill>
+          <a:prstDash val="solid"/>
+          <a:miter lim="800000"/>
+        </a:ln>
+      </a:lnStyleLst>
+      <a:effectStyleLst>
+        <a:effectStyle>
+          <a:effectLst/>
+        </a:effectStyle>
+        <a:effectStyle>
+          <a:effectLst/>
+        </a:effectStyle>
+        <a:effectStyle>
+          <a:effectLst>
+            <a:outerShdw blurRad="57150" dist="19050" dir="5400000" algn="ctr" rotWithShape="0">
+              <a:srgbClr val="000000">
+                <a:alpha val="63000"/>
+              </a:srgbClr>
+            </a:outerShdw>
+          </a:effectLst>
+        </a:effectStyle>
+      </a:effectStyleLst>
+      <a:bgFillStyleLst>
+        <a:solidFill>
+          <a:schemeClr val="phClr"/>
+        </a:solidFill>
+        <a:solidFill>
+          <a:schemeClr val="phClr">
+            <a:tint val="95000"/>
+            <a:satMod val="170000"/>
+          </a:schemeClr>
+        </a:solidFill>
+        <a:gradFill rotWithShape="1">
+          <a:gsLst>
+            <a:gs pos="0">
+              <a:schemeClr val="phClr">
+                <a:tint val="93000"/>
+                <a:satMod val="150000"/>
+                <a:shade val="98000"/>
+                <a:lumMod val="102000"/>
+              </a:schemeClr>
+            </a:gs>
+            <a:gs pos="50000">
+              <a:schemeClr val="phClr">
+                <a:tint val="98000"/>
+                <a:satMod val="130000"/>
+                <a:shade val="90000"/>
+                <a:lumMod val="103000"/>
+              </a:schemeClr>
+            </a:gs>
+            <a:gs pos="100000">
+              <a:schemeClr val="phClr">
+                <a:shade val="63000"/>
+                <a:satMod val="120000"/>
+              </a:schemeClr>
+            </a:gs>
+          </a:gsLst>
+          <a:lin ang="5400000" scaled="0"/>
+        </a:gradFill>
+      </a:bgFillStyleLst>
+    </a:fmtScheme>
+  </a:themeElements>
+  <a:objectDefaults/>
+  <a:extraClrSchemeLst/>
+  <a:extLst>
+    <a:ext uri="{05A4C25C-085E-4340-85A3-A5531E510DB2}">
+      <thm15:themeFamily xmlns:thm15="http://schemas.microsoft.com/office/thememl/2012/main" name="Office Theme" id="{62F939B6-93AF-4DB8-9C6B-D6C7DFDC589F}" vid="{4A3C46E8-61CC-4603-A589-7422A47A8E4A}"/>
+    </a:ext>
+  </a:extLst>
+</a:theme>
 </file>